--- a/section_1/powerpoint_lectures/CDS-SR scRNA-seq workshop_scRNA-seq Analysis_intro_align_quant.pptx
+++ b/section_1/powerpoint_lectures/CDS-SR scRNA-seq workshop_scRNA-seq Analysis_intro_align_quant.pptx
@@ -329,7 +329,7 @@
           <a:p>
             <a:fld id="{CA473F4C-B49E-4E68-B0F9-3E94F2884C49}" type="datetimeFigureOut">
               <a:rPr lang="en-US" smtClean="0"/>
-              <a:t>4/17/2022</a:t>
+              <a:t>4/18/2022</a:t>
             </a:fld>
             <a:endParaRPr lang="en-US"/>
           </a:p>
@@ -527,7 +527,7 @@
           <a:p>
             <a:fld id="{CA473F4C-B49E-4E68-B0F9-3E94F2884C49}" type="datetimeFigureOut">
               <a:rPr lang="en-US" smtClean="0"/>
-              <a:t>4/17/2022</a:t>
+              <a:t>4/18/2022</a:t>
             </a:fld>
             <a:endParaRPr lang="en-US"/>
           </a:p>
@@ -735,7 +735,7 @@
           <a:p>
             <a:fld id="{CA473F4C-B49E-4E68-B0F9-3E94F2884C49}" type="datetimeFigureOut">
               <a:rPr lang="en-US" smtClean="0"/>
-              <a:t>4/17/2022</a:t>
+              <a:t>4/18/2022</a:t>
             </a:fld>
             <a:endParaRPr lang="en-US"/>
           </a:p>
@@ -933,7 +933,7 @@
           <a:p>
             <a:fld id="{CA473F4C-B49E-4E68-B0F9-3E94F2884C49}" type="datetimeFigureOut">
               <a:rPr lang="en-US" smtClean="0"/>
-              <a:t>4/17/2022</a:t>
+              <a:t>4/18/2022</a:t>
             </a:fld>
             <a:endParaRPr lang="en-US"/>
           </a:p>
@@ -1208,7 +1208,7 @@
           <a:p>
             <a:fld id="{CA473F4C-B49E-4E68-B0F9-3E94F2884C49}" type="datetimeFigureOut">
               <a:rPr lang="en-US" smtClean="0"/>
-              <a:t>4/17/2022</a:t>
+              <a:t>4/18/2022</a:t>
             </a:fld>
             <a:endParaRPr lang="en-US"/>
           </a:p>
@@ -1473,7 +1473,7 @@
           <a:p>
             <a:fld id="{CA473F4C-B49E-4E68-B0F9-3E94F2884C49}" type="datetimeFigureOut">
               <a:rPr lang="en-US" smtClean="0"/>
-              <a:t>4/17/2022</a:t>
+              <a:t>4/18/2022</a:t>
             </a:fld>
             <a:endParaRPr lang="en-US"/>
           </a:p>
@@ -1885,7 +1885,7 @@
           <a:p>
             <a:fld id="{CA473F4C-B49E-4E68-B0F9-3E94F2884C49}" type="datetimeFigureOut">
               <a:rPr lang="en-US" smtClean="0"/>
-              <a:t>4/17/2022</a:t>
+              <a:t>4/18/2022</a:t>
             </a:fld>
             <a:endParaRPr lang="en-US"/>
           </a:p>
@@ -2026,7 +2026,7 @@
           <a:p>
             <a:fld id="{CA473F4C-B49E-4E68-B0F9-3E94F2884C49}" type="datetimeFigureOut">
               <a:rPr lang="en-US" smtClean="0"/>
-              <a:t>4/17/2022</a:t>
+              <a:t>4/18/2022</a:t>
             </a:fld>
             <a:endParaRPr lang="en-US"/>
           </a:p>
@@ -2139,7 +2139,7 @@
           <a:p>
             <a:fld id="{CA473F4C-B49E-4E68-B0F9-3E94F2884C49}" type="datetimeFigureOut">
               <a:rPr lang="en-US" smtClean="0"/>
-              <a:t>4/17/2022</a:t>
+              <a:t>4/18/2022</a:t>
             </a:fld>
             <a:endParaRPr lang="en-US"/>
           </a:p>
@@ -2450,7 +2450,7 @@
           <a:p>
             <a:fld id="{CA473F4C-B49E-4E68-B0F9-3E94F2884C49}" type="datetimeFigureOut">
               <a:rPr lang="en-US" smtClean="0"/>
-              <a:t>4/17/2022</a:t>
+              <a:t>4/18/2022</a:t>
             </a:fld>
             <a:endParaRPr lang="en-US"/>
           </a:p>
@@ -2738,7 +2738,7 @@
           <a:p>
             <a:fld id="{CA473F4C-B49E-4E68-B0F9-3E94F2884C49}" type="datetimeFigureOut">
               <a:rPr lang="en-US" smtClean="0"/>
-              <a:t>4/17/2022</a:t>
+              <a:t>4/18/2022</a:t>
             </a:fld>
             <a:endParaRPr lang="en-US"/>
           </a:p>
@@ -2979,7 +2979,7 @@
           <a:p>
             <a:fld id="{CA473F4C-B49E-4E68-B0F9-3E94F2884C49}" type="datetimeFigureOut">
               <a:rPr lang="en-US" smtClean="0"/>
-              <a:t>4/17/2022</a:t>
+              <a:t>4/18/2022</a:t>
             </a:fld>
             <a:endParaRPr lang="en-US"/>
           </a:p>
@@ -3467,7 +3467,7 @@
           <a:p>
             <a:r>
               <a:rPr lang="en-US" dirty="0"/>
-              <a:t>(Part 1)</a:t>
+              <a:t>(Section 1)</a:t>
             </a:r>
           </a:p>
           <a:p>
@@ -3484,15 +3484,7 @@
             </a:r>
             <a:r>
               <a:rPr lang="en-US" dirty="0"/>
-              <a:t> </a:t>
-            </a:r>
-            <a:r>
-              <a:rPr lang="en-US"/>
-              <a:t>(Alignment and </a:t>
-            </a:r>
-            <a:r>
-              <a:rPr lang="en-US" dirty="0"/>
-              <a:t>Quantification)</a:t>
+              <a:t> (Alignment and Quantification)</a:t>
             </a:r>
           </a:p>
           <a:p>
